--- a/defense.pptx
+++ b/defense.pptx
@@ -104,6 +104,11 @@
       </a:defRPr>
     </a:lvl9pPr>
   </p:defaultTextStyle>
+  <p:extLst>
+    <p:ext uri="{EFAFB233-063F-42B5-8137-9DF3F51BA10A}">
+      <p15:sldGuideLst xmlns:p15="http://schemas.microsoft.com/office/powerpoint/2012/main"/>
+    </p:ext>
+  </p:extLst>
 </p:presentation>
 </file>
 
@@ -2981,9 +2986,13 @@
           <a:p>
             <a:r>
               <a:rPr lang="fr-FR" smtClean="0"/>
-              <a:t>Présentation foireuse</a:t>
-            </a:r>
-            <a:endParaRPr lang="fr-CH"/>
+              <a:t>Présentation </a:t>
+            </a:r>
+            <a:r>
+              <a:rPr lang="fr-FR" smtClean="0"/>
+              <a:t>fructueuse</a:t>
+            </a:r>
+            <a:endParaRPr lang="fr-CH" dirty="0"/>
           </a:p>
         </p:txBody>
       </p:sp>

--- a/defense.pptx
+++ b/defense.pptx
@@ -2990,7 +2990,7 @@
             </a:r>
             <a:r>
               <a:rPr lang="fr-FR" smtClean="0"/>
-              <a:t>fructueuse</a:t>
+              <a:t>magique</a:t>
             </a:r>
             <a:endParaRPr lang="fr-CH" dirty="0"/>
           </a:p>

--- a/defense.pptx
+++ b/defense.pptx
@@ -2990,7 +2990,7 @@
             </a:r>
             <a:r>
               <a:rPr lang="fr-FR" smtClean="0"/>
-              <a:t>magique</a:t>
+              <a:t>fructueuse</a:t>
             </a:r>
             <a:endParaRPr lang="fr-CH" dirty="0"/>
           </a:p>
